--- a/documents/ML5조 중간발표.pptx
+++ b/documents/ML5조 중간발표.pptx
@@ -271,7 +271,7 @@
           <a:p>
             <a:fld id="{5C306B59-B7BF-314B-8E42-0E9D5F60F130}" type="datetimeFigureOut">
               <a:rPr kumimoji="1" lang="ko-Kore-KR" altLang="en-US" smtClean="0"/>
-              <a:t>2020. 8. 22.</a:t>
+              <a:t>2020. 8. 28.</a:t>
             </a:fld>
             <a:endParaRPr kumimoji="1" lang="ko-Kore-KR" altLang="en-US"/>
           </a:p>
@@ -471,7 +471,7 @@
           <a:p>
             <a:fld id="{5C306B59-B7BF-314B-8E42-0E9D5F60F130}" type="datetimeFigureOut">
               <a:rPr kumimoji="1" lang="ko-Kore-KR" altLang="en-US" smtClean="0"/>
-              <a:t>2020. 8. 22.</a:t>
+              <a:t>2020. 8. 28.</a:t>
             </a:fld>
             <a:endParaRPr kumimoji="1" lang="ko-Kore-KR" altLang="en-US"/>
           </a:p>
@@ -681,7 +681,7 @@
           <a:p>
             <a:fld id="{5C306B59-B7BF-314B-8E42-0E9D5F60F130}" type="datetimeFigureOut">
               <a:rPr kumimoji="1" lang="ko-Kore-KR" altLang="en-US" smtClean="0"/>
-              <a:t>2020. 8. 22.</a:t>
+              <a:t>2020. 8. 28.</a:t>
             </a:fld>
             <a:endParaRPr kumimoji="1" lang="ko-Kore-KR" altLang="en-US"/>
           </a:p>
@@ -881,7 +881,7 @@
           <a:p>
             <a:fld id="{5C306B59-B7BF-314B-8E42-0E9D5F60F130}" type="datetimeFigureOut">
               <a:rPr kumimoji="1" lang="ko-Kore-KR" altLang="en-US" smtClean="0"/>
-              <a:t>2020. 8. 22.</a:t>
+              <a:t>2020. 8. 28.</a:t>
             </a:fld>
             <a:endParaRPr kumimoji="1" lang="ko-Kore-KR" altLang="en-US"/>
           </a:p>
@@ -1157,7 +1157,7 @@
           <a:p>
             <a:fld id="{5C306B59-B7BF-314B-8E42-0E9D5F60F130}" type="datetimeFigureOut">
               <a:rPr kumimoji="1" lang="ko-Kore-KR" altLang="en-US" smtClean="0"/>
-              <a:t>2020. 8. 22.</a:t>
+              <a:t>2020. 8. 28.</a:t>
             </a:fld>
             <a:endParaRPr kumimoji="1" lang="ko-Kore-KR" altLang="en-US"/>
           </a:p>
@@ -1425,7 +1425,7 @@
           <a:p>
             <a:fld id="{5C306B59-B7BF-314B-8E42-0E9D5F60F130}" type="datetimeFigureOut">
               <a:rPr kumimoji="1" lang="ko-Kore-KR" altLang="en-US" smtClean="0"/>
-              <a:t>2020. 8. 22.</a:t>
+              <a:t>2020. 8. 28.</a:t>
             </a:fld>
             <a:endParaRPr kumimoji="1" lang="ko-Kore-KR" altLang="en-US"/>
           </a:p>
@@ -1840,7 +1840,7 @@
           <a:p>
             <a:fld id="{5C306B59-B7BF-314B-8E42-0E9D5F60F130}" type="datetimeFigureOut">
               <a:rPr kumimoji="1" lang="ko-Kore-KR" altLang="en-US" smtClean="0"/>
-              <a:t>2020. 8. 22.</a:t>
+              <a:t>2020. 8. 28.</a:t>
             </a:fld>
             <a:endParaRPr kumimoji="1" lang="ko-Kore-KR" altLang="en-US"/>
           </a:p>
@@ -1982,7 +1982,7 @@
           <a:p>
             <a:fld id="{5C306B59-B7BF-314B-8E42-0E9D5F60F130}" type="datetimeFigureOut">
               <a:rPr kumimoji="1" lang="ko-Kore-KR" altLang="en-US" smtClean="0"/>
-              <a:t>2020. 8. 22.</a:t>
+              <a:t>2020. 8. 28.</a:t>
             </a:fld>
             <a:endParaRPr kumimoji="1" lang="ko-Kore-KR" altLang="en-US"/>
           </a:p>
@@ -2095,7 +2095,7 @@
           <a:p>
             <a:fld id="{5C306B59-B7BF-314B-8E42-0E9D5F60F130}" type="datetimeFigureOut">
               <a:rPr kumimoji="1" lang="ko-Kore-KR" altLang="en-US" smtClean="0"/>
-              <a:t>2020. 8. 22.</a:t>
+              <a:t>2020. 8. 28.</a:t>
             </a:fld>
             <a:endParaRPr kumimoji="1" lang="ko-Kore-KR" altLang="en-US"/>
           </a:p>
@@ -2408,7 +2408,7 @@
           <a:p>
             <a:fld id="{5C306B59-B7BF-314B-8E42-0E9D5F60F130}" type="datetimeFigureOut">
               <a:rPr kumimoji="1" lang="ko-Kore-KR" altLang="en-US" smtClean="0"/>
-              <a:t>2020. 8. 22.</a:t>
+              <a:t>2020. 8. 28.</a:t>
             </a:fld>
             <a:endParaRPr kumimoji="1" lang="ko-Kore-KR" altLang="en-US"/>
           </a:p>
@@ -2697,7 +2697,7 @@
           <a:p>
             <a:fld id="{5C306B59-B7BF-314B-8E42-0E9D5F60F130}" type="datetimeFigureOut">
               <a:rPr kumimoji="1" lang="ko-Kore-KR" altLang="en-US" smtClean="0"/>
-              <a:t>2020. 8. 22.</a:t>
+              <a:t>2020. 8. 28.</a:t>
             </a:fld>
             <a:endParaRPr kumimoji="1" lang="ko-Kore-KR" altLang="en-US"/>
           </a:p>
@@ -2940,7 +2940,7 @@
           <a:p>
             <a:fld id="{5C306B59-B7BF-314B-8E42-0E9D5F60F130}" type="datetimeFigureOut">
               <a:rPr kumimoji="1" lang="ko-Kore-KR" altLang="en-US" smtClean="0"/>
-              <a:t>2020. 8. 22.</a:t>
+              <a:t>2020. 8. 28.</a:t>
             </a:fld>
             <a:endParaRPr kumimoji="1" lang="ko-Kore-KR" altLang="en-US"/>
           </a:p>
@@ -4051,7 +4051,7 @@
         </p:nvSpPr>
         <p:spPr>
           <a:xfrm>
-            <a:off x="9935292" y="205171"/>
+            <a:off x="9935292" y="220937"/>
             <a:ext cx="2086020" cy="461665"/>
           </a:xfrm>
           <a:prstGeom prst="rect">
